--- a/Presentation.pptx
+++ b/Presentation.pptx
@@ -4302,7 +4302,7 @@
         <p:spPr>
           <a:xfrm>
             <a:off x="1531315" y="2286000"/>
-            <a:ext cx="6195670" cy="3581400"/>
+            <a:ext cx="6889172" cy="3982278"/>
           </a:xfrm>
         </p:spPr>
       </p:pic>
@@ -4881,8 +4881,8 @@
         </p:blipFill>
         <p:spPr>
           <a:xfrm>
-            <a:off x="1325217" y="1575459"/>
-            <a:ext cx="6774769" cy="4772332"/>
+            <a:off x="1325217" y="1575458"/>
+            <a:ext cx="6774769" cy="5282541"/>
           </a:xfrm>
         </p:spPr>
       </p:pic>
@@ -4966,8 +4966,8 @@
         </p:blipFill>
         <p:spPr>
           <a:xfrm>
-            <a:off x="2554212" y="2286000"/>
-            <a:ext cx="4149876" cy="3581400"/>
+            <a:off x="1640549" y="1497496"/>
+            <a:ext cx="6589051" cy="5572074"/>
           </a:xfrm>
         </p:spPr>
       </p:pic>
@@ -5047,8 +5047,8 @@
         </p:blipFill>
         <p:spPr>
           <a:xfrm>
-            <a:off x="3779502" y="2286000"/>
-            <a:ext cx="1699295" cy="3581400"/>
+            <a:off x="3739746" y="1822173"/>
+            <a:ext cx="2144220" cy="4519115"/>
           </a:xfrm>
         </p:spPr>
       </p:pic>
@@ -5128,8 +5128,8 @@
         </p:blipFill>
         <p:spPr>
           <a:xfrm>
-            <a:off x="1295400" y="2500312"/>
-            <a:ext cx="6667500" cy="3152775"/>
+            <a:off x="1028700" y="2394295"/>
+            <a:ext cx="7424157" cy="3510566"/>
           </a:xfrm>
         </p:spPr>
       </p:pic>
